--- a/Socket/PPT/Winform_Tcp_Sample.pptx
+++ b/Socket/PPT/Winform_Tcp_Sample.pptx
@@ -32,6 +32,13 @@
     <p:sldId id="279" r:id="rId26"/>
     <p:sldId id="280" r:id="rId27"/>
     <p:sldId id="281" r:id="rId28"/>
+    <p:sldId id="282" r:id="rId29"/>
+    <p:sldId id="283" r:id="rId30"/>
+    <p:sldId id="284" r:id="rId31"/>
+    <p:sldId id="285" r:id="rId32"/>
+    <p:sldId id="286" r:id="rId33"/>
+    <p:sldId id="287" r:id="rId34"/>
+    <p:sldId id="288" r:id="rId35"/>
   </p:sldIdLst>
   <p:sldSz cx="9144000" cy="6858000" type="screen4x3"/>
   <p:notesSz cx="6858000" cy="9144000"/>
@@ -5855,6 +5862,582 @@
 </p:sld>
 </file>
 
+<file path=ppt/slides/slide27.xml><?xml version="1.0" encoding="utf-8"?>
+<p:sld xmlns:a="http://schemas.openxmlformats.org/drawingml/2006/main" xmlns:r="http://schemas.openxmlformats.org/officeDocument/2006/relationships" xmlns:p="http://schemas.openxmlformats.org/presentationml/2006/main">
+  <p:cSld>
+    <p:spTree>
+      <p:nvGrpSpPr>
+        <p:cNvPr id="1" name=""/>
+        <p:cNvGrpSpPr/>
+        <p:nvPr/>
+      </p:nvGrpSpPr>
+      <p:grpSpPr>
+        <a:xfrm>
+          <a:off x="0" y="0"/>
+          <a:ext cx="0" cy="0"/>
+          <a:chOff x="0" y="0"/>
+          <a:chExt cx="0" cy="0"/>
+        </a:xfrm>
+      </p:grpSpPr>
+      <p:sp>
+        <p:nvSpPr>
+          <p:cNvPr id="5" name="Title 3">
+            <a:extLst>
+              <a:ext uri="{FF2B5EF4-FFF2-40B4-BE49-F238E27FC236}">
+                <a16:creationId xmlns:a16="http://schemas.microsoft.com/office/drawing/2014/main" id="{3B3E8A03-E1AA-4D64-9198-CA1BA5C465C5}"/>
+              </a:ext>
+            </a:extLst>
+          </p:cNvPr>
+          <p:cNvSpPr>
+            <a:spLocks noGrp="1"/>
+          </p:cNvSpPr>
+          <p:nvPr>
+            <p:ph type="title"/>
+          </p:nvPr>
+        </p:nvSpPr>
+        <p:spPr>
+          <a:xfrm>
+            <a:off x="0" y="0"/>
+            <a:ext cx="9144000" cy="1069514"/>
+          </a:xfrm>
+        </p:spPr>
+        <p:txBody>
+          <a:bodyPr/>
+          <a:lstStyle/>
+          <a:p>
+            <a:r>
+              <a:rPr lang="ko-KR" altLang="en-US" dirty="0"/>
+              <a:t>스레드 코드</a:t>
+            </a:r>
+          </a:p>
+        </p:txBody>
+      </p:sp>
+      <p:pic>
+        <p:nvPicPr>
+          <p:cNvPr id="3" name="그림 2">
+            <a:extLst>
+              <a:ext uri="{FF2B5EF4-FFF2-40B4-BE49-F238E27FC236}">
+                <a16:creationId xmlns:a16="http://schemas.microsoft.com/office/drawing/2014/main" id="{D83902A1-A288-4DFE-A20B-2B5F30426A5C}"/>
+              </a:ext>
+            </a:extLst>
+          </p:cNvPr>
+          <p:cNvPicPr>
+            <a:picLocks noChangeAspect="1"/>
+          </p:cNvPicPr>
+          <p:nvPr/>
+        </p:nvPicPr>
+        <p:blipFill>
+          <a:blip r:embed="rId2">
+            <a:extLst>
+              <a:ext uri="{28A0092B-C50C-407E-A947-70E740481C1C}">
+                <a14:useLocalDpi xmlns:a14="http://schemas.microsoft.com/office/drawing/2010/main" val="0"/>
+              </a:ext>
+            </a:extLst>
+          </a:blip>
+          <a:stretch>
+            <a:fillRect/>
+          </a:stretch>
+        </p:blipFill>
+        <p:spPr>
+          <a:xfrm>
+            <a:off x="611560" y="1583831"/>
+            <a:ext cx="8056443" cy="4149425"/>
+          </a:xfrm>
+          <a:prstGeom prst="rect">
+            <a:avLst/>
+          </a:prstGeom>
+        </p:spPr>
+      </p:pic>
+    </p:spTree>
+    <p:extLst>
+      <p:ext uri="{BB962C8B-B14F-4D97-AF65-F5344CB8AC3E}">
+        <p14:creationId xmlns:p14="http://schemas.microsoft.com/office/powerpoint/2010/main" val="1331835417"/>
+      </p:ext>
+    </p:extLst>
+  </p:cSld>
+  <p:clrMapOvr>
+    <a:masterClrMapping/>
+  </p:clrMapOvr>
+</p:sld>
+</file>
+
+<file path=ppt/slides/slide28.xml><?xml version="1.0" encoding="utf-8"?>
+<p:sld xmlns:a="http://schemas.openxmlformats.org/drawingml/2006/main" xmlns:r="http://schemas.openxmlformats.org/officeDocument/2006/relationships" xmlns:p="http://schemas.openxmlformats.org/presentationml/2006/main">
+  <p:cSld>
+    <p:spTree>
+      <p:nvGrpSpPr>
+        <p:cNvPr id="1" name=""/>
+        <p:cNvGrpSpPr/>
+        <p:nvPr/>
+      </p:nvGrpSpPr>
+      <p:grpSpPr>
+        <a:xfrm>
+          <a:off x="0" y="0"/>
+          <a:ext cx="0" cy="0"/>
+          <a:chOff x="0" y="0"/>
+          <a:chExt cx="0" cy="0"/>
+        </a:xfrm>
+      </p:grpSpPr>
+      <p:sp>
+        <p:nvSpPr>
+          <p:cNvPr id="5" name="Title 3">
+            <a:extLst>
+              <a:ext uri="{FF2B5EF4-FFF2-40B4-BE49-F238E27FC236}">
+                <a16:creationId xmlns:a16="http://schemas.microsoft.com/office/drawing/2014/main" id="{3B3E8A03-E1AA-4D64-9198-CA1BA5C465C5}"/>
+              </a:ext>
+            </a:extLst>
+          </p:cNvPr>
+          <p:cNvSpPr>
+            <a:spLocks noGrp="1"/>
+          </p:cNvSpPr>
+          <p:nvPr>
+            <p:ph type="title"/>
+          </p:nvPr>
+        </p:nvSpPr>
+        <p:spPr>
+          <a:xfrm>
+            <a:off x="0" y="0"/>
+            <a:ext cx="9144000" cy="1069514"/>
+          </a:xfrm>
+        </p:spPr>
+        <p:txBody>
+          <a:bodyPr/>
+          <a:lstStyle/>
+          <a:p>
+            <a:r>
+              <a:rPr lang="ko-KR" altLang="en-US" dirty="0"/>
+              <a:t>스레드 속성</a:t>
+            </a:r>
+          </a:p>
+        </p:txBody>
+      </p:sp>
+      <p:pic>
+        <p:nvPicPr>
+          <p:cNvPr id="4" name="그림 3">
+            <a:extLst>
+              <a:ext uri="{FF2B5EF4-FFF2-40B4-BE49-F238E27FC236}">
+                <a16:creationId xmlns:a16="http://schemas.microsoft.com/office/drawing/2014/main" id="{3BD23FF9-5ACF-4489-8DCC-C7335B5A18C2}"/>
+              </a:ext>
+            </a:extLst>
+          </p:cNvPr>
+          <p:cNvPicPr>
+            <a:picLocks noChangeAspect="1"/>
+          </p:cNvPicPr>
+          <p:nvPr/>
+        </p:nvPicPr>
+        <p:blipFill>
+          <a:blip r:embed="rId2">
+            <a:extLst>
+              <a:ext uri="{28A0092B-C50C-407E-A947-70E740481C1C}">
+                <a14:useLocalDpi xmlns:a14="http://schemas.microsoft.com/office/drawing/2010/main" val="0"/>
+              </a:ext>
+            </a:extLst>
+          </a:blip>
+          <a:stretch>
+            <a:fillRect/>
+          </a:stretch>
+        </p:blipFill>
+        <p:spPr>
+          <a:xfrm>
+            <a:off x="899592" y="1485626"/>
+            <a:ext cx="6409274" cy="3886748"/>
+          </a:xfrm>
+          <a:prstGeom prst="rect">
+            <a:avLst/>
+          </a:prstGeom>
+        </p:spPr>
+      </p:pic>
+      <p:sp>
+        <p:nvSpPr>
+          <p:cNvPr id="6" name="Title 3">
+            <a:extLst>
+              <a:ext uri="{FF2B5EF4-FFF2-40B4-BE49-F238E27FC236}">
+                <a16:creationId xmlns:a16="http://schemas.microsoft.com/office/drawing/2014/main" id="{3B117C00-1C24-4B11-906C-DC04CB84D502}"/>
+              </a:ext>
+            </a:extLst>
+          </p:cNvPr>
+          <p:cNvSpPr txBox="1">
+            <a:spLocks/>
+          </p:cNvSpPr>
+          <p:nvPr/>
+        </p:nvSpPr>
+        <p:spPr>
+          <a:xfrm>
+            <a:off x="611560" y="5517232"/>
+            <a:ext cx="7236804" cy="1069514"/>
+          </a:xfrm>
+          <a:prstGeom prst="rect">
+            <a:avLst/>
+          </a:prstGeom>
+        </p:spPr>
+        <p:txBody>
+          <a:bodyPr anchor="ctr"/>
+          <a:lstStyle>
+            <a:lvl1pPr algn="l" defTabSz="914400" rtl="0" eaLnBrk="1" latinLnBrk="1" hangingPunct="1">
+              <a:spcBef>
+                <a:spcPct val="0"/>
+              </a:spcBef>
+              <a:buNone/>
+              <a:defRPr sz="4000" b="1" kern="1200" baseline="0">
+                <a:solidFill>
+                  <a:schemeClr val="accent6">
+                    <a:lumMod val="20000"/>
+                    <a:lumOff val="80000"/>
+                  </a:schemeClr>
+                </a:solidFill>
+                <a:latin typeface="Arial" pitchFamily="34" charset="0"/>
+                <a:ea typeface="+mj-ea"/>
+                <a:cs typeface="Arial" pitchFamily="34" charset="0"/>
+              </a:defRPr>
+            </a:lvl1pPr>
+          </a:lstStyle>
+          <a:p>
+            <a:pPr algn="ctr"/>
+            <a:r>
+              <a:rPr lang="en-US" altLang="ko-KR" sz="1800" dirty="0"/>
+              <a:t>Foreground : </a:t>
+            </a:r>
+            <a:r>
+              <a:rPr lang="ko-KR" altLang="en-US" sz="1800" dirty="0"/>
+              <a:t>주 스레드가 멈춰도 부 스레드는 반복 동작 실시</a:t>
+            </a:r>
+            <a:r>
+              <a:rPr lang="en-US" altLang="ko-KR" sz="1800" dirty="0"/>
+              <a:t>Background</a:t>
+            </a:r>
+            <a:r>
+              <a:rPr lang="ko-KR" altLang="en-US" sz="1800" dirty="0"/>
+              <a:t> </a:t>
+            </a:r>
+            <a:r>
+              <a:rPr lang="en-US" altLang="ko-KR" sz="1800" dirty="0"/>
+              <a:t>:</a:t>
+            </a:r>
+            <a:r>
+              <a:rPr lang="ko-KR" altLang="en-US" sz="1800" dirty="0"/>
+              <a:t> 주 스레드가 멈추면 부 스레드도 멈춤</a:t>
+            </a:r>
+          </a:p>
+        </p:txBody>
+      </p:sp>
+      <p:sp>
+        <p:nvSpPr>
+          <p:cNvPr id="7" name="Title 3">
+            <a:extLst>
+              <a:ext uri="{FF2B5EF4-FFF2-40B4-BE49-F238E27FC236}">
+                <a16:creationId xmlns:a16="http://schemas.microsoft.com/office/drawing/2014/main" id="{2D4919E5-71B5-4217-8730-39C67FF2A4EE}"/>
+              </a:ext>
+            </a:extLst>
+          </p:cNvPr>
+          <p:cNvSpPr txBox="1">
+            <a:spLocks/>
+          </p:cNvSpPr>
+          <p:nvPr/>
+        </p:nvSpPr>
+        <p:spPr>
+          <a:xfrm>
+            <a:off x="3131840" y="1486029"/>
+            <a:ext cx="5688632" cy="1069514"/>
+          </a:xfrm>
+          <a:prstGeom prst="rect">
+            <a:avLst/>
+          </a:prstGeom>
+        </p:spPr>
+        <p:txBody>
+          <a:bodyPr anchor="ctr"/>
+          <a:lstStyle>
+            <a:lvl1pPr algn="l" defTabSz="914400" rtl="0" eaLnBrk="1" latinLnBrk="1" hangingPunct="1">
+              <a:spcBef>
+                <a:spcPct val="0"/>
+              </a:spcBef>
+              <a:buNone/>
+              <a:defRPr sz="4000" b="1" kern="1200" baseline="0">
+                <a:solidFill>
+                  <a:schemeClr val="accent6">
+                    <a:lumMod val="20000"/>
+                    <a:lumOff val="80000"/>
+                  </a:schemeClr>
+                </a:solidFill>
+                <a:latin typeface="Arial" pitchFamily="34" charset="0"/>
+                <a:ea typeface="+mj-ea"/>
+                <a:cs typeface="Arial" pitchFamily="34" charset="0"/>
+              </a:defRPr>
+            </a:lvl1pPr>
+          </a:lstStyle>
+          <a:p>
+            <a:pPr algn="ctr"/>
+            <a:r>
+              <a:rPr lang="en-US" altLang="ko-KR" sz="1800" dirty="0" err="1">
+                <a:solidFill>
+                  <a:srgbClr val="FF0000"/>
+                </a:solidFill>
+              </a:rPr>
+              <a:t>IsBackground</a:t>
+            </a:r>
+            <a:r>
+              <a:rPr lang="en-US" altLang="ko-KR" sz="1800" dirty="0">
+                <a:solidFill>
+                  <a:srgbClr val="FF0000"/>
+                </a:solidFill>
+              </a:rPr>
+              <a:t> : true</a:t>
+            </a:r>
+            <a:r>
+              <a:rPr lang="ko-KR" altLang="en-US" sz="1800" dirty="0">
+                <a:solidFill>
+                  <a:srgbClr val="FF0000"/>
+                </a:solidFill>
+              </a:rPr>
+              <a:t>일 시 </a:t>
+            </a:r>
+            <a:r>
+              <a:rPr lang="en-US" altLang="ko-KR" sz="1800" dirty="0">
+                <a:solidFill>
+                  <a:srgbClr val="FF0000"/>
+                </a:solidFill>
+              </a:rPr>
+              <a:t>background</a:t>
+            </a:r>
+            <a:r>
+              <a:rPr lang="ko-KR" altLang="en-US" sz="1800" dirty="0">
+                <a:solidFill>
+                  <a:srgbClr val="FF0000"/>
+                </a:solidFill>
+              </a:rPr>
+              <a:t>로 설정되고</a:t>
+            </a:r>
+            <a:r>
+              <a:rPr lang="en-US" altLang="ko-KR" sz="1800" dirty="0">
+                <a:solidFill>
+                  <a:srgbClr val="FF0000"/>
+                </a:solidFill>
+              </a:rPr>
+              <a:t>, </a:t>
+            </a:r>
+          </a:p>
+          <a:p>
+            <a:pPr algn="ctr"/>
+            <a:r>
+              <a:rPr lang="en-US" altLang="ko-KR" sz="1800" dirty="0">
+                <a:solidFill>
+                  <a:srgbClr val="FF0000"/>
+                </a:solidFill>
+              </a:rPr>
+              <a:t>False</a:t>
+            </a:r>
+            <a:r>
+              <a:rPr lang="ko-KR" altLang="en-US" sz="1800" dirty="0">
+                <a:solidFill>
+                  <a:srgbClr val="FF0000"/>
+                </a:solidFill>
+              </a:rPr>
+              <a:t>일 시 </a:t>
+            </a:r>
+            <a:r>
+              <a:rPr lang="en-US" altLang="ko-KR" sz="1800" dirty="0">
+                <a:solidFill>
+                  <a:srgbClr val="FF0000"/>
+                </a:solidFill>
+              </a:rPr>
+              <a:t>foreground</a:t>
+            </a:r>
+            <a:r>
+              <a:rPr lang="ko-KR" altLang="en-US" sz="1800" dirty="0">
+                <a:solidFill>
+                  <a:srgbClr val="FF0000"/>
+                </a:solidFill>
+              </a:rPr>
+              <a:t>로 </a:t>
+            </a:r>
+            <a:r>
+              <a:rPr lang="ko-KR" altLang="en-US" sz="1800" dirty="0" err="1">
+                <a:solidFill>
+                  <a:srgbClr val="FF0000"/>
+                </a:solidFill>
+              </a:rPr>
+              <a:t>설정댐</a:t>
+            </a:r>
+            <a:endParaRPr lang="ko-KR" altLang="en-US" sz="1800" dirty="0">
+              <a:solidFill>
+                <a:srgbClr val="FF0000"/>
+              </a:solidFill>
+            </a:endParaRPr>
+          </a:p>
+        </p:txBody>
+      </p:sp>
+    </p:spTree>
+    <p:extLst>
+      <p:ext uri="{BB962C8B-B14F-4D97-AF65-F5344CB8AC3E}">
+        <p14:creationId xmlns:p14="http://schemas.microsoft.com/office/powerpoint/2010/main" val="3290491336"/>
+      </p:ext>
+    </p:extLst>
+  </p:cSld>
+  <p:clrMapOvr>
+    <a:masterClrMapping/>
+  </p:clrMapOvr>
+</p:sld>
+</file>
+
+<file path=ppt/slides/slide29.xml><?xml version="1.0" encoding="utf-8"?>
+<p:sld xmlns:a="http://schemas.openxmlformats.org/drawingml/2006/main" xmlns:r="http://schemas.openxmlformats.org/officeDocument/2006/relationships" xmlns:p="http://schemas.openxmlformats.org/presentationml/2006/main">
+  <p:cSld>
+    <p:spTree>
+      <p:nvGrpSpPr>
+        <p:cNvPr id="1" name=""/>
+        <p:cNvGrpSpPr/>
+        <p:nvPr/>
+      </p:nvGrpSpPr>
+      <p:grpSpPr>
+        <a:xfrm>
+          <a:off x="0" y="0"/>
+          <a:ext cx="0" cy="0"/>
+          <a:chOff x="0" y="0"/>
+          <a:chExt cx="0" cy="0"/>
+        </a:xfrm>
+      </p:grpSpPr>
+      <p:sp>
+        <p:nvSpPr>
+          <p:cNvPr id="5" name="Title 3">
+            <a:extLst>
+              <a:ext uri="{FF2B5EF4-FFF2-40B4-BE49-F238E27FC236}">
+                <a16:creationId xmlns:a16="http://schemas.microsoft.com/office/drawing/2014/main" id="{3B3E8A03-E1AA-4D64-9198-CA1BA5C465C5}"/>
+              </a:ext>
+            </a:extLst>
+          </p:cNvPr>
+          <p:cNvSpPr>
+            <a:spLocks noGrp="1"/>
+          </p:cNvSpPr>
+          <p:nvPr>
+            <p:ph type="title"/>
+          </p:nvPr>
+        </p:nvSpPr>
+        <p:spPr>
+          <a:xfrm>
+            <a:off x="0" y="0"/>
+            <a:ext cx="9144000" cy="1069514"/>
+          </a:xfrm>
+        </p:spPr>
+        <p:txBody>
+          <a:bodyPr/>
+          <a:lstStyle/>
+          <a:p>
+            <a:r>
+              <a:rPr lang="ko-KR" altLang="en-US" dirty="0"/>
+              <a:t>스레드 속성</a:t>
+            </a:r>
+          </a:p>
+        </p:txBody>
+      </p:sp>
+      <p:sp>
+        <p:nvSpPr>
+          <p:cNvPr id="6" name="Title 3">
+            <a:extLst>
+              <a:ext uri="{FF2B5EF4-FFF2-40B4-BE49-F238E27FC236}">
+                <a16:creationId xmlns:a16="http://schemas.microsoft.com/office/drawing/2014/main" id="{3B117C00-1C24-4B11-906C-DC04CB84D502}"/>
+              </a:ext>
+            </a:extLst>
+          </p:cNvPr>
+          <p:cNvSpPr txBox="1">
+            <a:spLocks/>
+          </p:cNvSpPr>
+          <p:nvPr/>
+        </p:nvSpPr>
+        <p:spPr>
+          <a:xfrm>
+            <a:off x="611560" y="5517232"/>
+            <a:ext cx="7236804" cy="1069514"/>
+          </a:xfrm>
+          <a:prstGeom prst="rect">
+            <a:avLst/>
+          </a:prstGeom>
+        </p:spPr>
+        <p:txBody>
+          <a:bodyPr anchor="ctr"/>
+          <a:lstStyle>
+            <a:lvl1pPr algn="l" defTabSz="914400" rtl="0" eaLnBrk="1" latinLnBrk="1" hangingPunct="1">
+              <a:spcBef>
+                <a:spcPct val="0"/>
+              </a:spcBef>
+              <a:buNone/>
+              <a:defRPr sz="4000" b="1" kern="1200" baseline="0">
+                <a:solidFill>
+                  <a:schemeClr val="accent6">
+                    <a:lumMod val="20000"/>
+                    <a:lumOff val="80000"/>
+                  </a:schemeClr>
+                </a:solidFill>
+                <a:latin typeface="Arial" pitchFamily="34" charset="0"/>
+                <a:ea typeface="+mj-ea"/>
+                <a:cs typeface="Arial" pitchFamily="34" charset="0"/>
+              </a:defRPr>
+            </a:lvl1pPr>
+          </a:lstStyle>
+          <a:p>
+            <a:pPr algn="ctr"/>
+            <a:r>
+              <a:rPr lang="ko-KR" altLang="en-US" sz="1800" dirty="0"/>
+              <a:t>현재 스레드를 정지시키고 싶거나 다른 스레드를 사용하고 싶을 때 사용 </a:t>
+            </a:r>
+            <a:endParaRPr lang="en-US" altLang="ko-KR" sz="1800" dirty="0"/>
+          </a:p>
+          <a:p>
+            <a:pPr algn="ctr"/>
+            <a:r>
+              <a:rPr lang="ko-KR" altLang="en-US" sz="1800" dirty="0"/>
+              <a:t>각각 스레드 아이디 얻기 위한 방식</a:t>
+            </a:r>
+          </a:p>
+        </p:txBody>
+      </p:sp>
+      <p:pic>
+        <p:nvPicPr>
+          <p:cNvPr id="3" name="그림 2">
+            <a:extLst>
+              <a:ext uri="{FF2B5EF4-FFF2-40B4-BE49-F238E27FC236}">
+                <a16:creationId xmlns:a16="http://schemas.microsoft.com/office/drawing/2014/main" id="{3E3BB3AE-7C07-4640-BD74-C5D95706C903}"/>
+              </a:ext>
+            </a:extLst>
+          </p:cNvPr>
+          <p:cNvPicPr>
+            <a:picLocks noChangeAspect="1"/>
+          </p:cNvPicPr>
+          <p:nvPr/>
+        </p:nvPicPr>
+        <p:blipFill>
+          <a:blip r:embed="rId2">
+            <a:extLst>
+              <a:ext uri="{28A0092B-C50C-407E-A947-70E740481C1C}">
+                <a14:useLocalDpi xmlns:a14="http://schemas.microsoft.com/office/drawing/2010/main" val="0"/>
+              </a:ext>
+            </a:extLst>
+          </a:blip>
+          <a:stretch>
+            <a:fillRect/>
+          </a:stretch>
+        </p:blipFill>
+        <p:spPr>
+          <a:xfrm>
+            <a:off x="669616" y="1864423"/>
+            <a:ext cx="7313547" cy="1924617"/>
+          </a:xfrm>
+          <a:prstGeom prst="rect">
+            <a:avLst/>
+          </a:prstGeom>
+        </p:spPr>
+      </p:pic>
+    </p:spTree>
+    <p:extLst>
+      <p:ext uri="{BB962C8B-B14F-4D97-AF65-F5344CB8AC3E}">
+        <p14:creationId xmlns:p14="http://schemas.microsoft.com/office/powerpoint/2010/main" val="1125090742"/>
+      </p:ext>
+    </p:extLst>
+  </p:cSld>
+  <p:clrMapOvr>
+    <a:masterClrMapping/>
+  </p:clrMapOvr>
+</p:sld>
+</file>
+
 <file path=ppt/slides/slide3.xml><?xml version="1.0" encoding="utf-8"?>
 <p:sld xmlns:a="http://schemas.openxmlformats.org/drawingml/2006/main" xmlns:r="http://schemas.openxmlformats.org/officeDocument/2006/relationships" xmlns:p="http://schemas.openxmlformats.org/presentationml/2006/main">
   <p:cSld>
@@ -5934,6 +6517,463 @@
     <p:extLst>
       <p:ext uri="{BB962C8B-B14F-4D97-AF65-F5344CB8AC3E}">
         <p14:creationId xmlns:p14="http://schemas.microsoft.com/office/powerpoint/2010/main" val="3891654328"/>
+      </p:ext>
+    </p:extLst>
+  </p:cSld>
+  <p:clrMapOvr>
+    <a:masterClrMapping/>
+  </p:clrMapOvr>
+</p:sld>
+</file>
+
+<file path=ppt/slides/slide30.xml><?xml version="1.0" encoding="utf-8"?>
+<p:sld xmlns:a="http://schemas.openxmlformats.org/drawingml/2006/main" xmlns:r="http://schemas.openxmlformats.org/officeDocument/2006/relationships" xmlns:p="http://schemas.openxmlformats.org/presentationml/2006/main">
+  <p:cSld>
+    <p:spTree>
+      <p:nvGrpSpPr>
+        <p:cNvPr id="1" name=""/>
+        <p:cNvGrpSpPr/>
+        <p:nvPr/>
+      </p:nvGrpSpPr>
+      <p:grpSpPr>
+        <a:xfrm>
+          <a:off x="0" y="0"/>
+          <a:ext cx="0" cy="0"/>
+          <a:chOff x="0" y="0"/>
+          <a:chExt cx="0" cy="0"/>
+        </a:xfrm>
+      </p:grpSpPr>
+      <p:sp>
+        <p:nvSpPr>
+          <p:cNvPr id="5" name="Title 3">
+            <a:extLst>
+              <a:ext uri="{FF2B5EF4-FFF2-40B4-BE49-F238E27FC236}">
+                <a16:creationId xmlns:a16="http://schemas.microsoft.com/office/drawing/2014/main" id="{3B3E8A03-E1AA-4D64-9198-CA1BA5C465C5}"/>
+              </a:ext>
+            </a:extLst>
+          </p:cNvPr>
+          <p:cNvSpPr>
+            <a:spLocks noGrp="1"/>
+          </p:cNvSpPr>
+          <p:nvPr>
+            <p:ph type="title"/>
+          </p:nvPr>
+        </p:nvSpPr>
+        <p:spPr>
+          <a:xfrm>
+            <a:off x="0" y="0"/>
+            <a:ext cx="9144000" cy="1069514"/>
+          </a:xfrm>
+        </p:spPr>
+        <p:txBody>
+          <a:bodyPr/>
+          <a:lstStyle/>
+          <a:p>
+            <a:r>
+              <a:rPr lang="ko-KR" altLang="en-US" dirty="0"/>
+              <a:t>스레드 속성</a:t>
+            </a:r>
+          </a:p>
+        </p:txBody>
+      </p:sp>
+      <p:pic>
+        <p:nvPicPr>
+          <p:cNvPr id="4" name="그림 3">
+            <a:extLst>
+              <a:ext uri="{FF2B5EF4-FFF2-40B4-BE49-F238E27FC236}">
+                <a16:creationId xmlns:a16="http://schemas.microsoft.com/office/drawing/2014/main" id="{804F761C-2E2E-4529-B16C-697BC19D3A60}"/>
+              </a:ext>
+            </a:extLst>
+          </p:cNvPr>
+          <p:cNvPicPr>
+            <a:picLocks noChangeAspect="1"/>
+          </p:cNvPicPr>
+          <p:nvPr/>
+        </p:nvPicPr>
+        <p:blipFill>
+          <a:blip r:embed="rId2">
+            <a:extLst>
+              <a:ext uri="{28A0092B-C50C-407E-A947-70E740481C1C}">
+                <a14:useLocalDpi xmlns:a14="http://schemas.microsoft.com/office/drawing/2010/main" val="0"/>
+              </a:ext>
+            </a:extLst>
+          </a:blip>
+          <a:stretch>
+            <a:fillRect/>
+          </a:stretch>
+        </p:blipFill>
+        <p:spPr>
+          <a:xfrm>
+            <a:off x="199184" y="1420349"/>
+            <a:ext cx="8745632" cy="4536504"/>
+          </a:xfrm>
+          <a:prstGeom prst="rect">
+            <a:avLst/>
+          </a:prstGeom>
+        </p:spPr>
+      </p:pic>
+      <p:sp>
+        <p:nvSpPr>
+          <p:cNvPr id="7" name="Title 3">
+            <a:extLst>
+              <a:ext uri="{FF2B5EF4-FFF2-40B4-BE49-F238E27FC236}">
+                <a16:creationId xmlns:a16="http://schemas.microsoft.com/office/drawing/2014/main" id="{F1EE3ED1-CA80-4839-874A-971B8898B824}"/>
+              </a:ext>
+            </a:extLst>
+          </p:cNvPr>
+          <p:cNvSpPr txBox="1">
+            <a:spLocks/>
+          </p:cNvSpPr>
+          <p:nvPr/>
+        </p:nvSpPr>
+        <p:spPr>
+          <a:xfrm>
+            <a:off x="4860032" y="2780928"/>
+            <a:ext cx="3383360" cy="1069514"/>
+          </a:xfrm>
+          <a:prstGeom prst="rect">
+            <a:avLst/>
+          </a:prstGeom>
+        </p:spPr>
+        <p:txBody>
+          <a:bodyPr anchor="ctr"/>
+          <a:lstStyle>
+            <a:lvl1pPr algn="l" defTabSz="914400" rtl="0" eaLnBrk="1" latinLnBrk="1" hangingPunct="1">
+              <a:spcBef>
+                <a:spcPct val="0"/>
+              </a:spcBef>
+              <a:buNone/>
+              <a:defRPr sz="4000" b="1" kern="1200" baseline="0">
+                <a:solidFill>
+                  <a:schemeClr val="accent6">
+                    <a:lumMod val="20000"/>
+                    <a:lumOff val="80000"/>
+                  </a:schemeClr>
+                </a:solidFill>
+                <a:latin typeface="Arial" pitchFamily="34" charset="0"/>
+                <a:ea typeface="+mj-ea"/>
+                <a:cs typeface="Arial" pitchFamily="34" charset="0"/>
+              </a:defRPr>
+            </a:lvl1pPr>
+          </a:lstStyle>
+          <a:p>
+            <a:r>
+              <a:rPr lang="en-US" altLang="ko-KR" dirty="0">
+                <a:solidFill>
+                  <a:srgbClr val="FF0000"/>
+                </a:solidFill>
+              </a:rPr>
+              <a:t>Try ~ Catch</a:t>
+            </a:r>
+            <a:endParaRPr lang="ko-KR" altLang="en-US" dirty="0">
+              <a:solidFill>
+                <a:srgbClr val="FF0000"/>
+              </a:solidFill>
+            </a:endParaRPr>
+          </a:p>
+        </p:txBody>
+      </p:sp>
+    </p:spTree>
+    <p:extLst>
+      <p:ext uri="{BB962C8B-B14F-4D97-AF65-F5344CB8AC3E}">
+        <p14:creationId xmlns:p14="http://schemas.microsoft.com/office/powerpoint/2010/main" val="2293005567"/>
+      </p:ext>
+    </p:extLst>
+  </p:cSld>
+  <p:clrMapOvr>
+    <a:masterClrMapping/>
+  </p:clrMapOvr>
+</p:sld>
+</file>
+
+<file path=ppt/slides/slide31.xml><?xml version="1.0" encoding="utf-8"?>
+<p:sld xmlns:a="http://schemas.openxmlformats.org/drawingml/2006/main" xmlns:r="http://schemas.openxmlformats.org/officeDocument/2006/relationships" xmlns:p="http://schemas.openxmlformats.org/presentationml/2006/main">
+  <p:cSld>
+    <p:spTree>
+      <p:nvGrpSpPr>
+        <p:cNvPr id="1" name=""/>
+        <p:cNvGrpSpPr/>
+        <p:nvPr/>
+      </p:nvGrpSpPr>
+      <p:grpSpPr>
+        <a:xfrm>
+          <a:off x="0" y="0"/>
+          <a:ext cx="0" cy="0"/>
+          <a:chOff x="0" y="0"/>
+          <a:chExt cx="0" cy="0"/>
+        </a:xfrm>
+      </p:grpSpPr>
+      <p:sp>
+        <p:nvSpPr>
+          <p:cNvPr id="5" name="Title 3">
+            <a:extLst>
+              <a:ext uri="{FF2B5EF4-FFF2-40B4-BE49-F238E27FC236}">
+                <a16:creationId xmlns:a16="http://schemas.microsoft.com/office/drawing/2014/main" id="{3B3E8A03-E1AA-4D64-9198-CA1BA5C465C5}"/>
+              </a:ext>
+            </a:extLst>
+          </p:cNvPr>
+          <p:cNvSpPr>
+            <a:spLocks noGrp="1"/>
+          </p:cNvSpPr>
+          <p:nvPr>
+            <p:ph type="title"/>
+          </p:nvPr>
+        </p:nvSpPr>
+        <p:spPr>
+          <a:xfrm>
+            <a:off x="0" y="0"/>
+            <a:ext cx="9144000" cy="1069514"/>
+          </a:xfrm>
+        </p:spPr>
+        <p:txBody>
+          <a:bodyPr/>
+          <a:lstStyle/>
+          <a:p>
+            <a:r>
+              <a:rPr lang="ko-KR" altLang="en-US" dirty="0"/>
+              <a:t>스레드 속성</a:t>
+            </a:r>
+          </a:p>
+        </p:txBody>
+      </p:sp>
+      <p:pic>
+        <p:nvPicPr>
+          <p:cNvPr id="3" name="그림 2">
+            <a:extLst>
+              <a:ext uri="{FF2B5EF4-FFF2-40B4-BE49-F238E27FC236}">
+                <a16:creationId xmlns:a16="http://schemas.microsoft.com/office/drawing/2014/main" id="{FEA56F1F-0CD3-4469-B4E4-E61DC559F9EB}"/>
+              </a:ext>
+            </a:extLst>
+          </p:cNvPr>
+          <p:cNvPicPr>
+            <a:picLocks noChangeAspect="1"/>
+          </p:cNvPicPr>
+          <p:nvPr/>
+        </p:nvPicPr>
+        <p:blipFill>
+          <a:blip r:embed="rId2">
+            <a:extLst>
+              <a:ext uri="{28A0092B-C50C-407E-A947-70E740481C1C}">
+                <a14:useLocalDpi xmlns:a14="http://schemas.microsoft.com/office/drawing/2010/main" val="0"/>
+              </a:ext>
+            </a:extLst>
+          </a:blip>
+          <a:stretch>
+            <a:fillRect/>
+          </a:stretch>
+        </p:blipFill>
+        <p:spPr>
+          <a:xfrm>
+            <a:off x="611560" y="1628800"/>
+            <a:ext cx="8072510" cy="4536504"/>
+          </a:xfrm>
+          <a:prstGeom prst="rect">
+            <a:avLst/>
+          </a:prstGeom>
+        </p:spPr>
+      </p:pic>
+    </p:spTree>
+    <p:extLst>
+      <p:ext uri="{BB962C8B-B14F-4D97-AF65-F5344CB8AC3E}">
+        <p14:creationId xmlns:p14="http://schemas.microsoft.com/office/powerpoint/2010/main" val="2446198638"/>
+      </p:ext>
+    </p:extLst>
+  </p:cSld>
+  <p:clrMapOvr>
+    <a:masterClrMapping/>
+  </p:clrMapOvr>
+</p:sld>
+</file>
+
+<file path=ppt/slides/slide32.xml><?xml version="1.0" encoding="utf-8"?>
+<p:sld xmlns:a="http://schemas.openxmlformats.org/drawingml/2006/main" xmlns:r="http://schemas.openxmlformats.org/officeDocument/2006/relationships" xmlns:p="http://schemas.openxmlformats.org/presentationml/2006/main">
+  <p:cSld>
+    <p:spTree>
+      <p:nvGrpSpPr>
+        <p:cNvPr id="1" name=""/>
+        <p:cNvGrpSpPr/>
+        <p:nvPr/>
+      </p:nvGrpSpPr>
+      <p:grpSpPr>
+        <a:xfrm>
+          <a:off x="0" y="0"/>
+          <a:ext cx="0" cy="0"/>
+          <a:chOff x="0" y="0"/>
+          <a:chExt cx="0" cy="0"/>
+        </a:xfrm>
+      </p:grpSpPr>
+      <p:sp>
+        <p:nvSpPr>
+          <p:cNvPr id="5" name="Title 3">
+            <a:extLst>
+              <a:ext uri="{FF2B5EF4-FFF2-40B4-BE49-F238E27FC236}">
+                <a16:creationId xmlns:a16="http://schemas.microsoft.com/office/drawing/2014/main" id="{3B3E8A03-E1AA-4D64-9198-CA1BA5C465C5}"/>
+              </a:ext>
+            </a:extLst>
+          </p:cNvPr>
+          <p:cNvSpPr>
+            <a:spLocks noGrp="1"/>
+          </p:cNvSpPr>
+          <p:nvPr>
+            <p:ph type="title"/>
+          </p:nvPr>
+        </p:nvSpPr>
+        <p:spPr>
+          <a:xfrm>
+            <a:off x="0" y="0"/>
+            <a:ext cx="9144000" cy="1069514"/>
+          </a:xfrm>
+        </p:spPr>
+        <p:txBody>
+          <a:bodyPr/>
+          <a:lstStyle/>
+          <a:p>
+            <a:r>
+              <a:rPr lang="ko-KR" altLang="en-US" dirty="0"/>
+              <a:t>스레드 속성</a:t>
+            </a:r>
+          </a:p>
+        </p:txBody>
+      </p:sp>
+      <p:pic>
+        <p:nvPicPr>
+          <p:cNvPr id="4" name="그림 3">
+            <a:extLst>
+              <a:ext uri="{FF2B5EF4-FFF2-40B4-BE49-F238E27FC236}">
+                <a16:creationId xmlns:a16="http://schemas.microsoft.com/office/drawing/2014/main" id="{5159C9DE-C1A0-49AF-A4C3-1BD3E48F72DF}"/>
+              </a:ext>
+            </a:extLst>
+          </p:cNvPr>
+          <p:cNvPicPr>
+            <a:picLocks noChangeAspect="1"/>
+          </p:cNvPicPr>
+          <p:nvPr/>
+        </p:nvPicPr>
+        <p:blipFill>
+          <a:blip r:embed="rId2">
+            <a:extLst>
+              <a:ext uri="{28A0092B-C50C-407E-A947-70E740481C1C}">
+                <a14:useLocalDpi xmlns:a14="http://schemas.microsoft.com/office/drawing/2010/main" val="0"/>
+              </a:ext>
+            </a:extLst>
+          </a:blip>
+          <a:stretch>
+            <a:fillRect/>
+          </a:stretch>
+        </p:blipFill>
+        <p:spPr>
+          <a:xfrm>
+            <a:off x="475773" y="1628800"/>
+            <a:ext cx="8192454" cy="4399422"/>
+          </a:xfrm>
+          <a:prstGeom prst="rect">
+            <a:avLst/>
+          </a:prstGeom>
+        </p:spPr>
+      </p:pic>
+    </p:spTree>
+    <p:extLst>
+      <p:ext uri="{BB962C8B-B14F-4D97-AF65-F5344CB8AC3E}">
+        <p14:creationId xmlns:p14="http://schemas.microsoft.com/office/powerpoint/2010/main" val="2521812270"/>
+      </p:ext>
+    </p:extLst>
+  </p:cSld>
+  <p:clrMapOvr>
+    <a:masterClrMapping/>
+  </p:clrMapOvr>
+</p:sld>
+</file>
+
+<file path=ppt/slides/slide33.xml><?xml version="1.0" encoding="utf-8"?>
+<p:sld xmlns:a="http://schemas.openxmlformats.org/drawingml/2006/main" xmlns:r="http://schemas.openxmlformats.org/officeDocument/2006/relationships" xmlns:p="http://schemas.openxmlformats.org/presentationml/2006/main">
+  <p:cSld>
+    <p:spTree>
+      <p:nvGrpSpPr>
+        <p:cNvPr id="1" name=""/>
+        <p:cNvGrpSpPr/>
+        <p:nvPr/>
+      </p:nvGrpSpPr>
+      <p:grpSpPr>
+        <a:xfrm>
+          <a:off x="0" y="0"/>
+          <a:ext cx="0" cy="0"/>
+          <a:chOff x="0" y="0"/>
+          <a:chExt cx="0" cy="0"/>
+        </a:xfrm>
+      </p:grpSpPr>
+      <p:sp>
+        <p:nvSpPr>
+          <p:cNvPr id="5" name="Title 3">
+            <a:extLst>
+              <a:ext uri="{FF2B5EF4-FFF2-40B4-BE49-F238E27FC236}">
+                <a16:creationId xmlns:a16="http://schemas.microsoft.com/office/drawing/2014/main" id="{3B3E8A03-E1AA-4D64-9198-CA1BA5C465C5}"/>
+              </a:ext>
+            </a:extLst>
+          </p:cNvPr>
+          <p:cNvSpPr>
+            <a:spLocks noGrp="1"/>
+          </p:cNvSpPr>
+          <p:nvPr>
+            <p:ph type="title"/>
+          </p:nvPr>
+        </p:nvSpPr>
+        <p:spPr>
+          <a:xfrm>
+            <a:off x="0" y="0"/>
+            <a:ext cx="9144000" cy="1069514"/>
+          </a:xfrm>
+        </p:spPr>
+        <p:txBody>
+          <a:bodyPr/>
+          <a:lstStyle/>
+          <a:p>
+            <a:r>
+              <a:rPr lang="ko-KR" altLang="en-US" dirty="0"/>
+              <a:t>서버 스레드 구조 정리</a:t>
+            </a:r>
+          </a:p>
+        </p:txBody>
+      </p:sp>
+      <p:pic>
+        <p:nvPicPr>
+          <p:cNvPr id="3" name="그림 2">
+            <a:extLst>
+              <a:ext uri="{FF2B5EF4-FFF2-40B4-BE49-F238E27FC236}">
+                <a16:creationId xmlns:a16="http://schemas.microsoft.com/office/drawing/2014/main" id="{24C04E0E-D18A-4C2B-A33D-BCF69A3B1276}"/>
+              </a:ext>
+            </a:extLst>
+          </p:cNvPr>
+          <p:cNvPicPr>
+            <a:picLocks noChangeAspect="1"/>
+          </p:cNvPicPr>
+          <p:nvPr/>
+        </p:nvPicPr>
+        <p:blipFill>
+          <a:blip r:embed="rId2">
+            <a:extLst>
+              <a:ext uri="{28A0092B-C50C-407E-A947-70E740481C1C}">
+                <a14:useLocalDpi xmlns:a14="http://schemas.microsoft.com/office/drawing/2010/main" val="0"/>
+              </a:ext>
+            </a:extLst>
+          </a:blip>
+          <a:stretch>
+            <a:fillRect/>
+          </a:stretch>
+        </p:blipFill>
+        <p:spPr>
+          <a:xfrm>
+            <a:off x="1187624" y="1268760"/>
+            <a:ext cx="6264696" cy="5390002"/>
+          </a:xfrm>
+          <a:prstGeom prst="rect">
+            <a:avLst/>
+          </a:prstGeom>
+        </p:spPr>
+      </p:pic>
+    </p:spTree>
+    <p:extLst>
+      <p:ext uri="{BB962C8B-B14F-4D97-AF65-F5344CB8AC3E}">
+        <p14:creationId xmlns:p14="http://schemas.microsoft.com/office/powerpoint/2010/main" val="236365422"/>
       </p:ext>
     </p:extLst>
   </p:cSld>
